--- a/PPT.pptx
+++ b/PPT.pptx
@@ -4669,8 +4669,8 @@
         </p:nvSpPr>
         <p:spPr>
           <a:xfrm flipH="false" flipV="false" rot="0">
-            <a:off x="1297429" y="3503477"/>
-            <a:ext cx="7247274" cy="3034796"/>
+            <a:off x="1028700" y="3520631"/>
+            <a:ext cx="7868455" cy="3245738"/>
           </a:xfrm>
           <a:custGeom>
             <a:avLst/>
@@ -4679,18 +4679,18 @@
             <a:cxnLst/>
             <a:rect r="r" b="b" t="t" l="l"/>
             <a:pathLst>
-              <a:path h="3034796" w="7247274">
+              <a:path h="3245738" w="7868455">
                 <a:moveTo>
                   <a:pt x="0" y="0"/>
                 </a:moveTo>
                 <a:lnTo>
-                  <a:pt x="7247273" y="0"/>
-                </a:lnTo>
-                <a:lnTo>
-                  <a:pt x="7247273" y="3034796"/>
-                </a:lnTo>
-                <a:lnTo>
-                  <a:pt x="0" y="3034796"/>
+                  <a:pt x="7868455" y="0"/>
+                </a:lnTo>
+                <a:lnTo>
+                  <a:pt x="7868455" y="3245738"/>
+                </a:lnTo>
+                <a:lnTo>
+                  <a:pt x="0" y="3245738"/>
                 </a:lnTo>
                 <a:lnTo>
                   <a:pt x="0" y="0"/>
@@ -4715,8 +4715,8 @@
         </p:nvSpPr>
         <p:spPr>
           <a:xfrm flipH="false" flipV="false" rot="0">
-            <a:off x="8709318" y="3844552"/>
-            <a:ext cx="8691450" cy="2455335"/>
+            <a:off x="9090796" y="3997117"/>
+            <a:ext cx="8309972" cy="2150205"/>
           </a:xfrm>
           <a:custGeom>
             <a:avLst/>
@@ -4725,18 +4725,18 @@
             <a:cxnLst/>
             <a:rect r="r" b="b" t="t" l="l"/>
             <a:pathLst>
-              <a:path h="2455335" w="8691450">
+              <a:path h="2150205" w="8309972">
                 <a:moveTo>
                   <a:pt x="0" y="0"/>
                 </a:moveTo>
                 <a:lnTo>
-                  <a:pt x="8691450" y="0"/>
-                </a:lnTo>
-                <a:lnTo>
-                  <a:pt x="8691450" y="2455335"/>
-                </a:lnTo>
-                <a:lnTo>
-                  <a:pt x="0" y="2455335"/>
+                  <a:pt x="8309972" y="0"/>
+                </a:lnTo>
+                <a:lnTo>
+                  <a:pt x="8309972" y="2150205"/>
+                </a:lnTo>
+                <a:lnTo>
+                  <a:pt x="0" y="2150205"/>
                 </a:lnTo>
                 <a:lnTo>
                   <a:pt x="0" y="0"/>
@@ -5459,8 +5459,8 @@
         </p:nvSpPr>
         <p:spPr>
           <a:xfrm flipH="false" flipV="false" rot="0">
-            <a:off x="1028700" y="2283419"/>
-            <a:ext cx="6978185" cy="5798460"/>
+            <a:off x="846561" y="3197063"/>
+            <a:ext cx="8297439" cy="4013886"/>
           </a:xfrm>
           <a:custGeom>
             <a:avLst/>
@@ -5469,18 +5469,18 @@
             <a:cxnLst/>
             <a:rect r="r" b="b" t="t" l="l"/>
             <a:pathLst>
-              <a:path h="5798460" w="6978185">
+              <a:path h="4013886" w="8297439">
                 <a:moveTo>
                   <a:pt x="0" y="0"/>
                 </a:moveTo>
                 <a:lnTo>
-                  <a:pt x="6978185" y="0"/>
-                </a:lnTo>
-                <a:lnTo>
-                  <a:pt x="6978185" y="5798460"/>
-                </a:lnTo>
-                <a:lnTo>
-                  <a:pt x="0" y="5798460"/>
+                  <a:pt x="8297439" y="0"/>
+                </a:lnTo>
+                <a:lnTo>
+                  <a:pt x="8297439" y="4013886"/>
+                </a:lnTo>
+                <a:lnTo>
+                  <a:pt x="0" y="4013886"/>
                 </a:lnTo>
                 <a:lnTo>
                   <a:pt x="0" y="0"/>
@@ -5505,8 +5505,8 @@
         </p:nvSpPr>
         <p:spPr>
           <a:xfrm flipH="false" flipV="false" rot="0">
-            <a:off x="8813431" y="3197063"/>
-            <a:ext cx="7397386" cy="3892874"/>
+            <a:off x="9773740" y="3084542"/>
+            <a:ext cx="6528994" cy="6308640"/>
           </a:xfrm>
           <a:custGeom>
             <a:avLst/>
@@ -5515,18 +5515,18 @@
             <a:cxnLst/>
             <a:rect r="r" b="b" t="t" l="l"/>
             <a:pathLst>
-              <a:path h="3892874" w="7397386">
+              <a:path h="6308640" w="6528994">
                 <a:moveTo>
                   <a:pt x="0" y="0"/>
                 </a:moveTo>
                 <a:lnTo>
-                  <a:pt x="7397386" y="0"/>
-                </a:lnTo>
-                <a:lnTo>
-                  <a:pt x="7397386" y="3892874"/>
-                </a:lnTo>
-                <a:lnTo>
-                  <a:pt x="0" y="3892874"/>
+                  <a:pt x="6528994" y="0"/>
+                </a:lnTo>
+                <a:lnTo>
+                  <a:pt x="6528994" y="6308641"/>
+                </a:lnTo>
+                <a:lnTo>
+                  <a:pt x="0" y="6308641"/>
                 </a:lnTo>
                 <a:lnTo>
                   <a:pt x="0" y="0"/>
@@ -6249,8 +6249,8 @@
         </p:nvSpPr>
         <p:spPr>
           <a:xfrm flipH="false" flipV="false" rot="0">
-            <a:off x="1754582" y="3083796"/>
-            <a:ext cx="5801548" cy="4686592"/>
+            <a:off x="1028700" y="3617830"/>
+            <a:ext cx="6905480" cy="4378324"/>
           </a:xfrm>
           <a:custGeom>
             <a:avLst/>
@@ -6259,18 +6259,18 @@
             <a:cxnLst/>
             <a:rect r="r" b="b" t="t" l="l"/>
             <a:pathLst>
-              <a:path h="4686592" w="5801548">
+              <a:path h="4378324" w="6905480">
                 <a:moveTo>
                   <a:pt x="0" y="0"/>
                 </a:moveTo>
                 <a:lnTo>
-                  <a:pt x="5801547" y="0"/>
-                </a:lnTo>
-                <a:lnTo>
-                  <a:pt x="5801547" y="4686592"/>
-                </a:lnTo>
-                <a:lnTo>
-                  <a:pt x="0" y="4686592"/>
+                  <a:pt x="6905480" y="0"/>
+                </a:lnTo>
+                <a:lnTo>
+                  <a:pt x="6905480" y="4378324"/>
+                </a:lnTo>
+                <a:lnTo>
+                  <a:pt x="0" y="4378324"/>
                 </a:lnTo>
                 <a:lnTo>
                   <a:pt x="0" y="0"/>
@@ -6295,8 +6295,8 @@
         </p:nvSpPr>
         <p:spPr>
           <a:xfrm flipH="false" flipV="false" rot="0">
-            <a:off x="8280029" y="3452842"/>
-            <a:ext cx="8393854" cy="4280866"/>
+            <a:off x="8490599" y="3852892"/>
+            <a:ext cx="8596115" cy="4684882"/>
           </a:xfrm>
           <a:custGeom>
             <a:avLst/>
@@ -6305,18 +6305,18 @@
             <a:cxnLst/>
             <a:rect r="r" b="b" t="t" l="l"/>
             <a:pathLst>
-              <a:path h="4280866" w="8393854">
+              <a:path h="4684882" w="8596115">
                 <a:moveTo>
                   <a:pt x="0" y="0"/>
                 </a:moveTo>
                 <a:lnTo>
-                  <a:pt x="8393855" y="0"/>
-                </a:lnTo>
-                <a:lnTo>
-                  <a:pt x="8393855" y="4280865"/>
-                </a:lnTo>
-                <a:lnTo>
-                  <a:pt x="0" y="4280865"/>
+                  <a:pt x="8596115" y="0"/>
+                </a:lnTo>
+                <a:lnTo>
+                  <a:pt x="8596115" y="4684882"/>
+                </a:lnTo>
+                <a:lnTo>
+                  <a:pt x="0" y="4684882"/>
                 </a:lnTo>
                 <a:lnTo>
                   <a:pt x="0" y="0"/>
@@ -7039,8 +7039,8 @@
         </p:nvSpPr>
         <p:spPr>
           <a:xfrm flipH="false" flipV="false" rot="0">
-            <a:off x="1530409" y="4152091"/>
-            <a:ext cx="15085858" cy="2319451"/>
+            <a:off x="5470921" y="4354967"/>
+            <a:ext cx="7553186" cy="3791945"/>
           </a:xfrm>
           <a:custGeom>
             <a:avLst/>
@@ -7049,18 +7049,18 @@
             <a:cxnLst/>
             <a:rect r="r" b="b" t="t" l="l"/>
             <a:pathLst>
-              <a:path h="2319451" w="15085858">
+              <a:path h="3791945" w="7553186">
                 <a:moveTo>
                   <a:pt x="0" y="0"/>
                 </a:moveTo>
                 <a:lnTo>
-                  <a:pt x="15085857" y="0"/>
-                </a:lnTo>
-                <a:lnTo>
-                  <a:pt x="15085857" y="2319451"/>
-                </a:lnTo>
-                <a:lnTo>
-                  <a:pt x="0" y="2319451"/>
+                  <a:pt x="7553186" y="0"/>
+                </a:lnTo>
+                <a:lnTo>
+                  <a:pt x="7553186" y="3791945"/>
+                </a:lnTo>
+                <a:lnTo>
+                  <a:pt x="0" y="3791945"/>
                 </a:lnTo>
                 <a:lnTo>
                   <a:pt x="0" y="0"/>
@@ -12349,7 +12349,7 @@
                 <a:cs typeface="Canva Sans"/>
                 <a:sym typeface="Canva Sans"/>
               </a:rPr>
-              <a:t>A live website is hosted at https://gaming-centre.vercel.app/.</a:t>
+              <a:t>A live website is hosted at https://gaming-zone-three.vercel.app/.</a:t>
             </a:r>
           </a:p>
           <a:p>
